--- a/docs/minjun_fluctana_quick_guide_ecei_image.pptx
+++ b/docs/minjun_fluctana_quick_guide_ecei_image.pptx
@@ -8,8 +8,9 @@
     <p:sldId id="260" r:id="rId2"/>
     <p:sldId id="258" r:id="rId3"/>
     <p:sldId id="256" r:id="rId4"/>
-    <p:sldId id="257" r:id="rId5"/>
-    <p:sldId id="259" r:id="rId6"/>
+    <p:sldId id="261" r:id="rId5"/>
+    <p:sldId id="257" r:id="rId6"/>
+    <p:sldId id="259" r:id="rId7"/>
   </p:sldIdLst>
   <p:sldSz cx="12192000" cy="6858000"/>
   <p:notesSz cx="6858000" cy="9144000"/>
@@ -4482,6 +4483,36 @@
           </a:prstGeom>
         </p:spPr>
       </p:pic>
+      <p:pic>
+        <p:nvPicPr>
+          <p:cNvPr id="2" name="그림 1">
+            <a:extLst>
+              <a:ext uri="{FF2B5EF4-FFF2-40B4-BE49-F238E27FC236}">
+                <a16:creationId xmlns:a16="http://schemas.microsoft.com/office/drawing/2014/main" id="{0B0D8D05-2899-499C-9956-C6FC858142F5}"/>
+              </a:ext>
+            </a:extLst>
+          </p:cNvPr>
+          <p:cNvPicPr>
+            <a:picLocks noChangeAspect="1"/>
+          </p:cNvPicPr>
+          <p:nvPr/>
+        </p:nvPicPr>
+        <p:blipFill>
+          <a:blip r:embed="rId4"/>
+          <a:stretch>
+            <a:fillRect/>
+          </a:stretch>
+        </p:blipFill>
+        <p:spPr>
+          <a:xfrm>
+            <a:off x="1021601" y="3530361"/>
+            <a:ext cx="5438775" cy="228600"/>
+          </a:xfrm>
+          <a:prstGeom prst="rect">
+            <a:avLst/>
+          </a:prstGeom>
+        </p:spPr>
+      </p:pic>
     </p:spTree>
     <p:extLst>
       <p:ext uri="{BB962C8B-B14F-4D97-AF65-F5344CB8AC3E}">
@@ -4644,6 +4675,78 @@
           </a:prstGeom>
         </p:spPr>
       </p:pic>
+      <p:sp>
+        <p:nvSpPr>
+          <p:cNvPr id="7" name="TextBox 6">
+            <a:extLst>
+              <a:ext uri="{FF2B5EF4-FFF2-40B4-BE49-F238E27FC236}">
+                <a16:creationId xmlns:a16="http://schemas.microsoft.com/office/drawing/2014/main" id="{CAE774D2-43CE-4CCE-8642-833B0A2F554B}"/>
+              </a:ext>
+            </a:extLst>
+          </p:cNvPr>
+          <p:cNvSpPr txBox="1"/>
+          <p:nvPr/>
+        </p:nvSpPr>
+        <p:spPr>
+          <a:xfrm>
+            <a:off x="5460520" y="1969413"/>
+            <a:ext cx="595035" cy="369332"/>
+          </a:xfrm>
+          <a:prstGeom prst="rect">
+            <a:avLst/>
+          </a:prstGeom>
+          <a:noFill/>
+        </p:spPr>
+        <p:txBody>
+          <a:bodyPr wrap="none" rtlCol="0">
+            <a:spAutoFit/>
+          </a:bodyPr>
+          <a:lstStyle/>
+          <a:p>
+            <a:r>
+              <a:rPr lang="en-US" altLang="ko-KR" dirty="0"/>
+              <a:t>shot</a:t>
+            </a:r>
+            <a:endParaRPr lang="ko-KR" altLang="en-US" dirty="0"/>
+          </a:p>
+        </p:txBody>
+      </p:sp>
+      <p:sp>
+        <p:nvSpPr>
+          <p:cNvPr id="9" name="TextBox 8">
+            <a:extLst>
+              <a:ext uri="{FF2B5EF4-FFF2-40B4-BE49-F238E27FC236}">
+                <a16:creationId xmlns:a16="http://schemas.microsoft.com/office/drawing/2014/main" id="{34E115B2-5967-4EE4-9607-1874FB7DF23A}"/>
+              </a:ext>
+            </a:extLst>
+          </p:cNvPr>
+          <p:cNvSpPr txBox="1"/>
+          <p:nvPr/>
+        </p:nvSpPr>
+        <p:spPr>
+          <a:xfrm>
+            <a:off x="5939480" y="2421279"/>
+            <a:ext cx="716863" cy="369332"/>
+          </a:xfrm>
+          <a:prstGeom prst="rect">
+            <a:avLst/>
+          </a:prstGeom>
+          <a:noFill/>
+        </p:spPr>
+        <p:txBody>
+          <a:bodyPr wrap="none" rtlCol="0">
+            <a:spAutoFit/>
+          </a:bodyPr>
+          <a:lstStyle/>
+          <a:p>
+            <a:r>
+              <a:rPr lang="en-US" altLang="ko-KR" dirty="0"/>
+              <a:t>name</a:t>
+            </a:r>
+            <a:endParaRPr lang="ko-KR" altLang="en-US" dirty="0"/>
+          </a:p>
+        </p:txBody>
+      </p:sp>
     </p:spTree>
     <p:extLst>
       <p:ext uri="{BB962C8B-B14F-4D97-AF65-F5344CB8AC3E}">
@@ -4679,6 +4782,383 @@
           <p:cNvPr id="2" name="제목 1">
             <a:extLst>
               <a:ext uri="{FF2B5EF4-FFF2-40B4-BE49-F238E27FC236}">
+                <a16:creationId xmlns:a16="http://schemas.microsoft.com/office/drawing/2014/main" id="{CB5E5C34-854D-4A38-9782-1DC2D6B7494C}"/>
+              </a:ext>
+            </a:extLst>
+          </p:cNvPr>
+          <p:cNvSpPr>
+            <a:spLocks noGrp="1"/>
+          </p:cNvSpPr>
+          <p:nvPr>
+            <p:ph type="title"/>
+          </p:nvPr>
+        </p:nvSpPr>
+        <p:spPr/>
+        <p:txBody>
+          <a:bodyPr/>
+          <a:lstStyle/>
+          <a:p>
+            <a:r>
+              <a:rPr lang="en-US" altLang="ko-KR" dirty="0"/>
+              <a:t>Check</a:t>
+            </a:r>
+            <a:r>
+              <a:rPr lang="ko-KR" altLang="en-US" dirty="0"/>
+              <a:t> </a:t>
+            </a:r>
+            <a:r>
+              <a:rPr lang="en-US" altLang="ko-KR" dirty="0"/>
+              <a:t>ECEI</a:t>
+            </a:r>
+            <a:r>
+              <a:rPr lang="ko-KR" altLang="en-US" dirty="0"/>
+              <a:t> </a:t>
+            </a:r>
+            <a:r>
+              <a:rPr lang="en-US" altLang="ko-KR" dirty="0"/>
+              <a:t>spectrum</a:t>
+            </a:r>
+            <a:r>
+              <a:rPr lang="ko-KR" altLang="en-US" dirty="0"/>
+              <a:t> </a:t>
+            </a:r>
+            <a:r>
+              <a:rPr lang="en-US" altLang="ko-KR" dirty="0"/>
+              <a:t>using</a:t>
+            </a:r>
+            <a:r>
+              <a:rPr lang="ko-KR" altLang="en-US" dirty="0"/>
+              <a:t> </a:t>
+            </a:r>
+            <a:r>
+              <a:rPr lang="en-US" altLang="ko-KR" dirty="0"/>
+              <a:t>check_ecei_data.py</a:t>
+            </a:r>
+            <a:endParaRPr lang="ko-KR" altLang="en-US" dirty="0"/>
+          </a:p>
+        </p:txBody>
+      </p:sp>
+      <p:sp>
+        <p:nvSpPr>
+          <p:cNvPr id="3" name="내용 개체 틀 2">
+            <a:extLst>
+              <a:ext uri="{FF2B5EF4-FFF2-40B4-BE49-F238E27FC236}">
+                <a16:creationId xmlns:a16="http://schemas.microsoft.com/office/drawing/2014/main" id="{68A7C80A-7240-4C70-90AE-ACB4179D3869}"/>
+              </a:ext>
+            </a:extLst>
+          </p:cNvPr>
+          <p:cNvSpPr>
+            <a:spLocks noGrp="1"/>
+          </p:cNvSpPr>
+          <p:nvPr>
+            <p:ph idx="1"/>
+          </p:nvPr>
+        </p:nvSpPr>
+        <p:spPr/>
+        <p:txBody>
+          <a:bodyPr/>
+          <a:lstStyle/>
+          <a:p>
+            <a:r>
+              <a:rPr lang="en-US" altLang="ko-KR" dirty="0"/>
+              <a:t>Check the spectrum to determine the mode </a:t>
+            </a:r>
+            <a:br>
+              <a:rPr lang="en-US" altLang="ko-KR" dirty="0"/>
+            </a:br>
+            <a:r>
+              <a:rPr lang="en-US" altLang="ko-KR" dirty="0"/>
+              <a:t>frequency</a:t>
+            </a:r>
+            <a:endParaRPr lang="ko-KR" altLang="en-US" dirty="0"/>
+          </a:p>
+        </p:txBody>
+      </p:sp>
+      <p:pic>
+        <p:nvPicPr>
+          <p:cNvPr id="5" name="그림 4">
+            <a:extLst>
+              <a:ext uri="{FF2B5EF4-FFF2-40B4-BE49-F238E27FC236}">
+                <a16:creationId xmlns:a16="http://schemas.microsoft.com/office/drawing/2014/main" id="{7CAC4763-3F3E-45AA-AA9E-5B2ACF84D200}"/>
+              </a:ext>
+            </a:extLst>
+          </p:cNvPr>
+          <p:cNvPicPr>
+            <a:picLocks noChangeAspect="1"/>
+          </p:cNvPicPr>
+          <p:nvPr/>
+        </p:nvPicPr>
+        <p:blipFill>
+          <a:blip r:embed="rId2"/>
+          <a:stretch>
+            <a:fillRect/>
+          </a:stretch>
+        </p:blipFill>
+        <p:spPr>
+          <a:xfrm>
+            <a:off x="7462855" y="967981"/>
+            <a:ext cx="3414145" cy="5667768"/>
+          </a:xfrm>
+          <a:prstGeom prst="rect">
+            <a:avLst/>
+          </a:prstGeom>
+        </p:spPr>
+      </p:pic>
+      <p:pic>
+        <p:nvPicPr>
+          <p:cNvPr id="6" name="그림 5">
+            <a:extLst>
+              <a:ext uri="{FF2B5EF4-FFF2-40B4-BE49-F238E27FC236}">
+                <a16:creationId xmlns:a16="http://schemas.microsoft.com/office/drawing/2014/main" id="{9A2DB47C-7D6A-495A-BD23-E3B8F97E96CA}"/>
+              </a:ext>
+            </a:extLst>
+          </p:cNvPr>
+          <p:cNvPicPr>
+            <a:picLocks noChangeAspect="1"/>
+          </p:cNvPicPr>
+          <p:nvPr/>
+        </p:nvPicPr>
+        <p:blipFill>
+          <a:blip r:embed="rId3"/>
+          <a:stretch>
+            <a:fillRect/>
+          </a:stretch>
+        </p:blipFill>
+        <p:spPr>
+          <a:xfrm>
+            <a:off x="568337" y="1864293"/>
+            <a:ext cx="6448425" cy="161925"/>
+          </a:xfrm>
+          <a:prstGeom prst="rect">
+            <a:avLst/>
+          </a:prstGeom>
+        </p:spPr>
+      </p:pic>
+      <p:sp>
+        <p:nvSpPr>
+          <p:cNvPr id="7" name="TextBox 6">
+            <a:extLst>
+              <a:ext uri="{FF2B5EF4-FFF2-40B4-BE49-F238E27FC236}">
+                <a16:creationId xmlns:a16="http://schemas.microsoft.com/office/drawing/2014/main" id="{7334CD40-6FE0-4144-8C31-57D2197D495C}"/>
+              </a:ext>
+            </a:extLst>
+          </p:cNvPr>
+          <p:cNvSpPr txBox="1"/>
+          <p:nvPr/>
+        </p:nvSpPr>
+        <p:spPr>
+          <a:xfrm>
+            <a:off x="5089584" y="1494961"/>
+            <a:ext cx="595035" cy="369332"/>
+          </a:xfrm>
+          <a:prstGeom prst="rect">
+            <a:avLst/>
+          </a:prstGeom>
+          <a:noFill/>
+        </p:spPr>
+        <p:txBody>
+          <a:bodyPr wrap="none" rtlCol="0">
+            <a:spAutoFit/>
+          </a:bodyPr>
+          <a:lstStyle/>
+          <a:p>
+            <a:r>
+              <a:rPr lang="en-US" altLang="ko-KR" dirty="0"/>
+              <a:t>shot</a:t>
+            </a:r>
+            <a:endParaRPr lang="ko-KR" altLang="en-US" dirty="0"/>
+          </a:p>
+        </p:txBody>
+      </p:sp>
+      <p:sp>
+        <p:nvSpPr>
+          <p:cNvPr id="8" name="TextBox 7">
+            <a:extLst>
+              <a:ext uri="{FF2B5EF4-FFF2-40B4-BE49-F238E27FC236}">
+                <a16:creationId xmlns:a16="http://schemas.microsoft.com/office/drawing/2014/main" id="{DBA6AB5A-94CD-435E-BB22-BB20648FB403}"/>
+              </a:ext>
+            </a:extLst>
+          </p:cNvPr>
+          <p:cNvSpPr txBox="1"/>
+          <p:nvPr/>
+        </p:nvSpPr>
+        <p:spPr>
+          <a:xfrm>
+            <a:off x="5598543" y="2026218"/>
+            <a:ext cx="715004" cy="646331"/>
+          </a:xfrm>
+          <a:prstGeom prst="rect">
+            <a:avLst/>
+          </a:prstGeom>
+          <a:noFill/>
+        </p:spPr>
+        <p:txBody>
+          <a:bodyPr wrap="none" rtlCol="0">
+            <a:spAutoFit/>
+          </a:bodyPr>
+          <a:lstStyle/>
+          <a:p>
+            <a:r>
+              <a:rPr lang="en-US" altLang="ko-KR" dirty="0"/>
+              <a:t>time</a:t>
+            </a:r>
+            <a:br>
+              <a:rPr lang="en-US" altLang="ko-KR" dirty="0"/>
+            </a:br>
+            <a:r>
+              <a:rPr lang="en-US" altLang="ko-KR" dirty="0"/>
+              <a:t>range</a:t>
+            </a:r>
+            <a:endParaRPr lang="ko-KR" altLang="en-US" dirty="0"/>
+          </a:p>
+        </p:txBody>
+      </p:sp>
+      <p:sp>
+        <p:nvSpPr>
+          <p:cNvPr id="9" name="TextBox 8">
+            <a:extLst>
+              <a:ext uri="{FF2B5EF4-FFF2-40B4-BE49-F238E27FC236}">
+                <a16:creationId xmlns:a16="http://schemas.microsoft.com/office/drawing/2014/main" id="{E52C2BD2-321D-42B2-AB93-D646B899533D}"/>
+              </a:ext>
+            </a:extLst>
+          </p:cNvPr>
+          <p:cNvSpPr txBox="1"/>
+          <p:nvPr/>
+        </p:nvSpPr>
+        <p:spPr>
+          <a:xfrm>
+            <a:off x="6117064" y="1494961"/>
+            <a:ext cx="716863" cy="369332"/>
+          </a:xfrm>
+          <a:prstGeom prst="rect">
+            <a:avLst/>
+          </a:prstGeom>
+          <a:noFill/>
+        </p:spPr>
+        <p:txBody>
+          <a:bodyPr wrap="none" rtlCol="0">
+            <a:spAutoFit/>
+          </a:bodyPr>
+          <a:lstStyle/>
+          <a:p>
+            <a:r>
+              <a:rPr lang="en-US" altLang="ko-KR" dirty="0"/>
+              <a:t>name</a:t>
+            </a:r>
+            <a:endParaRPr lang="ko-KR" altLang="en-US" dirty="0"/>
+          </a:p>
+        </p:txBody>
+      </p:sp>
+      <p:sp>
+        <p:nvSpPr>
+          <p:cNvPr id="11" name="TextBox 10">
+            <a:extLst>
+              <a:ext uri="{FF2B5EF4-FFF2-40B4-BE49-F238E27FC236}">
+                <a16:creationId xmlns:a16="http://schemas.microsoft.com/office/drawing/2014/main" id="{48301001-324E-4910-9497-DABE6D481DE7}"/>
+              </a:ext>
+            </a:extLst>
+          </p:cNvPr>
+          <p:cNvSpPr txBox="1"/>
+          <p:nvPr/>
+        </p:nvSpPr>
+        <p:spPr>
+          <a:xfrm>
+            <a:off x="5929009" y="3289061"/>
+            <a:ext cx="644728" cy="369332"/>
+          </a:xfrm>
+          <a:prstGeom prst="rect">
+            <a:avLst/>
+          </a:prstGeom>
+          <a:noFill/>
+        </p:spPr>
+        <p:txBody>
+          <a:bodyPr wrap="none" rtlCol="0">
+            <a:spAutoFit/>
+          </a:bodyPr>
+          <a:lstStyle/>
+          <a:p>
+            <a:r>
+              <a:rPr lang="en-US" altLang="ko-KR" dirty="0"/>
+              <a:t>ELM </a:t>
+            </a:r>
+            <a:endParaRPr lang="ko-KR" altLang="en-US" dirty="0"/>
+          </a:p>
+        </p:txBody>
+      </p:sp>
+      <p:cxnSp>
+        <p:nvCxnSpPr>
+          <p:cNvPr id="13" name="직선 화살표 연결선 12">
+            <a:extLst>
+              <a:ext uri="{FF2B5EF4-FFF2-40B4-BE49-F238E27FC236}">
+                <a16:creationId xmlns:a16="http://schemas.microsoft.com/office/drawing/2014/main" id="{79E6B081-BAE1-42F5-95F4-782D7FDC57D8}"/>
+              </a:ext>
+            </a:extLst>
+          </p:cNvPr>
+          <p:cNvCxnSpPr/>
+          <p:nvPr/>
+        </p:nvCxnSpPr>
+        <p:spPr>
+          <a:xfrm flipV="1">
+            <a:off x="6508273" y="2938011"/>
+            <a:ext cx="1695448" cy="490989"/>
+          </a:xfrm>
+          <a:prstGeom prst="straightConnector1">
+            <a:avLst/>
+          </a:prstGeom>
+          <a:ln>
+            <a:tailEnd type="triangle"/>
+          </a:ln>
+        </p:spPr>
+        <p:style>
+          <a:lnRef idx="1">
+            <a:schemeClr val="accent1"/>
+          </a:lnRef>
+          <a:fillRef idx="0">
+            <a:schemeClr val="accent1"/>
+          </a:fillRef>
+          <a:effectRef idx="0">
+            <a:schemeClr val="accent1"/>
+          </a:effectRef>
+          <a:fontRef idx="minor">
+            <a:schemeClr val="tx1"/>
+          </a:fontRef>
+        </p:style>
+      </p:cxnSp>
+    </p:spTree>
+    <p:extLst>
+      <p:ext uri="{BB962C8B-B14F-4D97-AF65-F5344CB8AC3E}">
+        <p14:creationId xmlns:p14="http://schemas.microsoft.com/office/powerpoint/2010/main" val="2578417972"/>
+      </p:ext>
+    </p:extLst>
+  </p:cSld>
+  <p:clrMapOvr>
+    <a:masterClrMapping/>
+  </p:clrMapOvr>
+</p:sld>
+</file>
+
+<file path=ppt/slides/slide5.xml><?xml version="1.0" encoding="utf-8"?>
+<p:sld xmlns:a="http://schemas.openxmlformats.org/drawingml/2006/main" xmlns:r="http://schemas.openxmlformats.org/officeDocument/2006/relationships" xmlns:p="http://schemas.openxmlformats.org/presentationml/2006/main">
+  <p:cSld>
+    <p:spTree>
+      <p:nvGrpSpPr>
+        <p:cNvPr id="1" name=""/>
+        <p:cNvGrpSpPr/>
+        <p:nvPr/>
+      </p:nvGrpSpPr>
+      <p:grpSpPr>
+        <a:xfrm>
+          <a:off x="0" y="0"/>
+          <a:ext cx="0" cy="0"/>
+          <a:chOff x="0" y="0"/>
+          <a:chExt cx="0" cy="0"/>
+        </a:xfrm>
+      </p:grpSpPr>
+      <p:sp>
+        <p:nvSpPr>
+          <p:cNvPr id="2" name="제목 1">
+            <a:extLst>
+              <a:ext uri="{FF2B5EF4-FFF2-40B4-BE49-F238E27FC236}">
                 <a16:creationId xmlns:a16="http://schemas.microsoft.com/office/drawing/2014/main" id="{C52DD9D2-C5BB-47E0-82AB-F77A53A1DE87}"/>
               </a:ext>
             </a:extLst>
@@ -5114,10 +5594,6 @@
           </a:bodyPr>
           <a:lstStyle/>
           <a:p>
-            <a:r>
-              <a:rPr lang="en-US" altLang="ko-KR" dirty="0"/>
-              <a:t>ECEI</a:t>
-            </a:r>
             <a:br>
               <a:rPr lang="en-US" altLang="ko-KR" dirty="0"/>
             </a:br>
@@ -5235,7 +5711,7 @@
 </p:sld>
 </file>
 
-<file path=ppt/slides/slide5.xml><?xml version="1.0" encoding="utf-8"?>
+<file path=ppt/slides/slide6.xml><?xml version="1.0" encoding="utf-8"?>
 <p:sld xmlns:a="http://schemas.openxmlformats.org/drawingml/2006/main" xmlns:r="http://schemas.openxmlformats.org/officeDocument/2006/relationships" xmlns:p="http://schemas.openxmlformats.org/presentationml/2006/main">
   <p:cSld>
     <p:spTree>
